--- a/Presentations/Mid Semester Review/Individual_Slides/Austin/Anderson_Planning_Slides.pptx
+++ b/Presentations/Mid Semester Review/Individual_Slides/Austin/Anderson_Planning_Slides.pptx
@@ -303,7 +303,7 @@
             <a:fld id="{A8193F1D-56DB-E44D-9849-55B52730CCEA}" type="datetimeFigureOut">
               <a:rPr lang="en-US" smtClean="0"/>
               <a:pPr/>
-              <a:t>10/18/2015</a:t>
+              <a:t>10/18/15</a:t>
             </a:fld>
             <a:endParaRPr lang="en-US"/>
           </a:p>
@@ -355,7 +355,7 @@
     </p:spTree>
     <p:extLst>
       <p:ext uri="{BB962C8B-B14F-4D97-AF65-F5344CB8AC3E}">
-        <p14:creationId xmlns="" xmlns:p14="http://schemas.microsoft.com/office/powerpoint/2010/main" val="1868713570"/>
+        <p14:creationId xmlns:p14="http://schemas.microsoft.com/office/powerpoint/2010/main" val="1868713570"/>
       </p:ext>
     </p:extLst>
   </p:cSld>
@@ -475,7 +475,7 @@
             <a:fld id="{A8193F1D-56DB-E44D-9849-55B52730CCEA}" type="datetimeFigureOut">
               <a:rPr lang="en-US" smtClean="0"/>
               <a:pPr/>
-              <a:t>10/18/2015</a:t>
+              <a:t>10/18/15</a:t>
             </a:fld>
             <a:endParaRPr lang="en-US"/>
           </a:p>
@@ -527,7 +527,7 @@
     </p:spTree>
     <p:extLst>
       <p:ext uri="{BB962C8B-B14F-4D97-AF65-F5344CB8AC3E}">
-        <p14:creationId xmlns="" xmlns:p14="http://schemas.microsoft.com/office/powerpoint/2010/main" val="2557846444"/>
+        <p14:creationId xmlns:p14="http://schemas.microsoft.com/office/powerpoint/2010/main" val="2557846444"/>
       </p:ext>
     </p:extLst>
   </p:cSld>
@@ -657,7 +657,7 @@
             <a:fld id="{A8193F1D-56DB-E44D-9849-55B52730CCEA}" type="datetimeFigureOut">
               <a:rPr lang="en-US" smtClean="0"/>
               <a:pPr/>
-              <a:t>10/18/2015</a:t>
+              <a:t>10/18/15</a:t>
             </a:fld>
             <a:endParaRPr lang="en-US"/>
           </a:p>
@@ -709,7 +709,7 @@
     </p:spTree>
     <p:extLst>
       <p:ext uri="{BB962C8B-B14F-4D97-AF65-F5344CB8AC3E}">
-        <p14:creationId xmlns="" xmlns:p14="http://schemas.microsoft.com/office/powerpoint/2010/main" val="167865819"/>
+        <p14:creationId xmlns:p14="http://schemas.microsoft.com/office/powerpoint/2010/main" val="167865819"/>
       </p:ext>
     </p:extLst>
   </p:cSld>
@@ -829,7 +829,7 @@
             <a:fld id="{A8193F1D-56DB-E44D-9849-55B52730CCEA}" type="datetimeFigureOut">
               <a:rPr lang="en-US" smtClean="0"/>
               <a:pPr/>
-              <a:t>10/18/2015</a:t>
+              <a:t>10/18/15</a:t>
             </a:fld>
             <a:endParaRPr lang="en-US"/>
           </a:p>
@@ -881,7 +881,7 @@
     </p:spTree>
     <p:extLst>
       <p:ext uri="{BB962C8B-B14F-4D97-AF65-F5344CB8AC3E}">
-        <p14:creationId xmlns="" xmlns:p14="http://schemas.microsoft.com/office/powerpoint/2010/main" val="931802960"/>
+        <p14:creationId xmlns:p14="http://schemas.microsoft.com/office/powerpoint/2010/main" val="931802960"/>
       </p:ext>
     </p:extLst>
   </p:cSld>
@@ -1077,7 +1077,7 @@
             <a:fld id="{A8193F1D-56DB-E44D-9849-55B52730CCEA}" type="datetimeFigureOut">
               <a:rPr lang="en-US" smtClean="0"/>
               <a:pPr/>
-              <a:t>10/18/2015</a:t>
+              <a:t>10/18/15</a:t>
             </a:fld>
             <a:endParaRPr lang="en-US"/>
           </a:p>
@@ -1129,7 +1129,7 @@
     </p:spTree>
     <p:extLst>
       <p:ext uri="{BB962C8B-B14F-4D97-AF65-F5344CB8AC3E}">
-        <p14:creationId xmlns="" xmlns:p14="http://schemas.microsoft.com/office/powerpoint/2010/main" val="2238709200"/>
+        <p14:creationId xmlns:p14="http://schemas.microsoft.com/office/powerpoint/2010/main" val="2238709200"/>
       </p:ext>
     </p:extLst>
   </p:cSld>
@@ -1367,7 +1367,7 @@
             <a:fld id="{A8193F1D-56DB-E44D-9849-55B52730CCEA}" type="datetimeFigureOut">
               <a:rPr lang="en-US" smtClean="0"/>
               <a:pPr/>
-              <a:t>10/18/2015</a:t>
+              <a:t>10/18/15</a:t>
             </a:fld>
             <a:endParaRPr lang="en-US"/>
           </a:p>
@@ -1419,7 +1419,7 @@
     </p:spTree>
     <p:extLst>
       <p:ext uri="{BB962C8B-B14F-4D97-AF65-F5344CB8AC3E}">
-        <p14:creationId xmlns="" xmlns:p14="http://schemas.microsoft.com/office/powerpoint/2010/main" val="2359543773"/>
+        <p14:creationId xmlns:p14="http://schemas.microsoft.com/office/powerpoint/2010/main" val="2359543773"/>
       </p:ext>
     </p:extLst>
   </p:cSld>
@@ -1791,7 +1791,7 @@
             <a:fld id="{A8193F1D-56DB-E44D-9849-55B52730CCEA}" type="datetimeFigureOut">
               <a:rPr lang="en-US" smtClean="0"/>
               <a:pPr/>
-              <a:t>10/18/2015</a:t>
+              <a:t>10/18/15</a:t>
             </a:fld>
             <a:endParaRPr lang="en-US"/>
           </a:p>
@@ -1843,7 +1843,7 @@
     </p:spTree>
     <p:extLst>
       <p:ext uri="{BB962C8B-B14F-4D97-AF65-F5344CB8AC3E}">
-        <p14:creationId xmlns="" xmlns:p14="http://schemas.microsoft.com/office/powerpoint/2010/main" val="708640215"/>
+        <p14:creationId xmlns:p14="http://schemas.microsoft.com/office/powerpoint/2010/main" val="708640215"/>
       </p:ext>
     </p:extLst>
   </p:cSld>
@@ -1911,7 +1911,7 @@
             <a:fld id="{A8193F1D-56DB-E44D-9849-55B52730CCEA}" type="datetimeFigureOut">
               <a:rPr lang="en-US" smtClean="0"/>
               <a:pPr/>
-              <a:t>10/18/2015</a:t>
+              <a:t>10/18/15</a:t>
             </a:fld>
             <a:endParaRPr lang="en-US"/>
           </a:p>
@@ -1963,7 +1963,7 @@
     </p:spTree>
     <p:extLst>
       <p:ext uri="{BB962C8B-B14F-4D97-AF65-F5344CB8AC3E}">
-        <p14:creationId xmlns="" xmlns:p14="http://schemas.microsoft.com/office/powerpoint/2010/main" val="399786481"/>
+        <p14:creationId xmlns:p14="http://schemas.microsoft.com/office/powerpoint/2010/main" val="399786481"/>
       </p:ext>
     </p:extLst>
   </p:cSld>
@@ -2008,7 +2008,7 @@
             <a:fld id="{A8193F1D-56DB-E44D-9849-55B52730CCEA}" type="datetimeFigureOut">
               <a:rPr lang="en-US" smtClean="0"/>
               <a:pPr/>
-              <a:t>10/18/2015</a:t>
+              <a:t>10/18/15</a:t>
             </a:fld>
             <a:endParaRPr lang="en-US"/>
           </a:p>
@@ -2060,7 +2060,7 @@
     </p:spTree>
     <p:extLst>
       <p:ext uri="{BB962C8B-B14F-4D97-AF65-F5344CB8AC3E}">
-        <p14:creationId xmlns="" xmlns:p14="http://schemas.microsoft.com/office/powerpoint/2010/main" val="2927774261"/>
+        <p14:creationId xmlns:p14="http://schemas.microsoft.com/office/powerpoint/2010/main" val="2927774261"/>
       </p:ext>
     </p:extLst>
   </p:cSld>
@@ -2287,7 +2287,7 @@
             <a:fld id="{A8193F1D-56DB-E44D-9849-55B52730CCEA}" type="datetimeFigureOut">
               <a:rPr lang="en-US" smtClean="0"/>
               <a:pPr/>
-              <a:t>10/18/2015</a:t>
+              <a:t>10/18/15</a:t>
             </a:fld>
             <a:endParaRPr lang="en-US"/>
           </a:p>
@@ -2339,7 +2339,7 @@
     </p:spTree>
     <p:extLst>
       <p:ext uri="{BB962C8B-B14F-4D97-AF65-F5344CB8AC3E}">
-        <p14:creationId xmlns="" xmlns:p14="http://schemas.microsoft.com/office/powerpoint/2010/main" val="1162300865"/>
+        <p14:creationId xmlns:p14="http://schemas.microsoft.com/office/powerpoint/2010/main" val="1162300865"/>
       </p:ext>
     </p:extLst>
   </p:cSld>
@@ -2542,7 +2542,7 @@
             <a:fld id="{A8193F1D-56DB-E44D-9849-55B52730CCEA}" type="datetimeFigureOut">
               <a:rPr lang="en-US" smtClean="0"/>
               <a:pPr/>
-              <a:t>10/18/2015</a:t>
+              <a:t>10/18/15</a:t>
             </a:fld>
             <a:endParaRPr lang="en-US"/>
           </a:p>
@@ -2594,7 +2594,7 @@
     </p:spTree>
     <p:extLst>
       <p:ext uri="{BB962C8B-B14F-4D97-AF65-F5344CB8AC3E}">
-        <p14:creationId xmlns="" xmlns:p14="http://schemas.microsoft.com/office/powerpoint/2010/main" val="282002889"/>
+        <p14:creationId xmlns:p14="http://schemas.microsoft.com/office/powerpoint/2010/main" val="282002889"/>
       </p:ext>
     </p:extLst>
   </p:cSld>
@@ -2757,7 +2757,7 @@
             <a:fld id="{A8193F1D-56DB-E44D-9849-55B52730CCEA}" type="datetimeFigureOut">
               <a:rPr lang="en-US" smtClean="0"/>
               <a:pPr/>
-              <a:t>10/18/2015</a:t>
+              <a:t>10/18/15</a:t>
             </a:fld>
             <a:endParaRPr lang="en-US"/>
           </a:p>
@@ -2845,7 +2845,7 @@
     </p:spTree>
     <p:extLst>
       <p:ext uri="{BB962C8B-B14F-4D97-AF65-F5344CB8AC3E}">
-        <p14:creationId xmlns="" xmlns:p14="http://schemas.microsoft.com/office/powerpoint/2010/main" val="2951458890"/>
+        <p14:creationId xmlns:p14="http://schemas.microsoft.com/office/powerpoint/2010/main" val="2951458890"/>
       </p:ext>
     </p:extLst>
   </p:cSld>
@@ -3195,7 +3195,7 @@
             <a:blip r:embed="rId2">
               <a:extLst>
                 <a:ext uri="{28A0092B-C50C-407E-A947-70E740481C1C}">
-                  <a14:useLocalDpi xmlns="" xmlns:a14="http://schemas.microsoft.com/office/drawing/2010/main" val="0"/>
+                  <a14:useLocalDpi xmlns:a14="http://schemas.microsoft.com/office/drawing/2010/main" val="0"/>
                 </a:ext>
               </a:extLst>
             </a:blip>
@@ -3325,17 +3325,7 @@
                   <a:latin typeface="Candara"/>
                   <a:cs typeface="Candara"/>
                 </a:rPr>
-                <a:t>: </a:t>
-              </a:r>
-              <a:r>
-                <a:rPr lang="en-US" sz="2400" dirty="0" smtClean="0">
-                  <a:solidFill>
-                    <a:srgbClr val="FFFFFF"/>
-                  </a:solidFill>
-                  <a:latin typeface="Candara"/>
-                  <a:cs typeface="Candara"/>
-                </a:rPr>
-                <a:t>Planning</a:t>
+                <a:t>: Planning</a:t>
               </a:r>
               <a:endParaRPr lang="en-US" sz="2400" dirty="0">
                 <a:solidFill>
@@ -3414,7 +3404,7 @@
     </p:spTree>
     <p:extLst>
       <p:ext uri="{BB962C8B-B14F-4D97-AF65-F5344CB8AC3E}">
-        <p14:creationId xmlns="" xmlns:p14="http://schemas.microsoft.com/office/powerpoint/2010/main" val="4104887601"/>
+        <p14:creationId xmlns:p14="http://schemas.microsoft.com/office/powerpoint/2010/main" val="4104887601"/>
       </p:ext>
     </p:extLst>
   </p:cSld>
@@ -3503,7 +3493,7 @@
             <a:blip r:embed="rId2">
               <a:extLst>
                 <a:ext uri="{28A0092B-C50C-407E-A947-70E740481C1C}">
-                  <a14:useLocalDpi xmlns="" xmlns:a14="http://schemas.microsoft.com/office/drawing/2010/main" val="0"/>
+                  <a14:useLocalDpi xmlns:a14="http://schemas.microsoft.com/office/drawing/2010/main" val="0"/>
                 </a:ext>
               </a:extLst>
             </a:blip>
@@ -3633,17 +3623,7 @@
                   <a:latin typeface="Candara"/>
                   <a:cs typeface="Candara"/>
                 </a:rPr>
-                <a:t>: </a:t>
-              </a:r>
-              <a:r>
-                <a:rPr lang="en-US" sz="2400" dirty="0" smtClean="0">
-                  <a:solidFill>
-                    <a:srgbClr val="FFFFFF"/>
-                  </a:solidFill>
-                  <a:latin typeface="Candara"/>
-                  <a:cs typeface="Candara"/>
-                </a:rPr>
-                <a:t>Planning</a:t>
+                <a:t>: Planning</a:t>
               </a:r>
               <a:endParaRPr lang="en-US" sz="2400" dirty="0">
                 <a:solidFill>
@@ -3683,7 +3663,6 @@
               <a:rPr lang="en-US" b="1" dirty="0" smtClean="0"/>
               <a:t>The Open Motion Planning Library</a:t>
             </a:r>
-            <a:endParaRPr lang="en-US" b="1" dirty="0" smtClean="0"/>
           </a:p>
           <a:p>
             <a:pPr marL="285750" indent="-285750">
@@ -3719,7 +3698,6 @@
               <a:rPr lang="en-US" dirty="0" smtClean="0"/>
               <a:t>Supports basic modeling of quad rotors moving in 3D Environment</a:t>
             </a:r>
-            <a:endParaRPr lang="en-US" dirty="0" smtClean="0"/>
           </a:p>
           <a:p>
             <a:pPr marL="742950" lvl="1" indent="-285750">
@@ -4043,7 +4021,7 @@
     </p:spTree>
     <p:extLst>
       <p:ext uri="{BB962C8B-B14F-4D97-AF65-F5344CB8AC3E}">
-        <p14:creationId xmlns="" xmlns:p14="http://schemas.microsoft.com/office/powerpoint/2010/main" val="4104887601"/>
+        <p14:creationId xmlns:p14="http://schemas.microsoft.com/office/powerpoint/2010/main" val="4104887601"/>
       </p:ext>
     </p:extLst>
   </p:cSld>
@@ -4132,7 +4110,7 @@
             <a:blip r:embed="rId2">
               <a:extLst>
                 <a:ext uri="{28A0092B-C50C-407E-A947-70E740481C1C}">
-                  <a14:useLocalDpi xmlns="" xmlns:a14="http://schemas.microsoft.com/office/drawing/2010/main" val="0"/>
+                  <a14:useLocalDpi xmlns:a14="http://schemas.microsoft.com/office/drawing/2010/main" val="0"/>
                 </a:ext>
               </a:extLst>
             </a:blip>
@@ -4262,17 +4240,7 @@
                   <a:latin typeface="Candara"/>
                   <a:cs typeface="Candara"/>
                 </a:rPr>
-                <a:t>: </a:t>
-              </a:r>
-              <a:r>
-                <a:rPr lang="en-US" sz="2400" dirty="0" smtClean="0">
-                  <a:solidFill>
-                    <a:srgbClr val="FFFFFF"/>
-                  </a:solidFill>
-                  <a:latin typeface="Candara"/>
-                  <a:cs typeface="Candara"/>
-                </a:rPr>
-                <a:t>Planning</a:t>
+                <a:t>: Planning</a:t>
               </a:r>
               <a:endParaRPr lang="en-US" sz="2400" dirty="0">
                 <a:solidFill>
@@ -4312,7 +4280,6 @@
               <a:rPr lang="en-US" b="1" dirty="0" smtClean="0"/>
               <a:t>The Open Motion Planning Library</a:t>
             </a:r>
-            <a:endParaRPr lang="en-US" b="1" dirty="0" smtClean="0"/>
           </a:p>
           <a:p>
             <a:pPr marL="285750" indent="-285750">
@@ -4451,7 +4418,7 @@
     </p:spTree>
     <p:extLst>
       <p:ext uri="{BB962C8B-B14F-4D97-AF65-F5344CB8AC3E}">
-        <p14:creationId xmlns="" xmlns:p14="http://schemas.microsoft.com/office/powerpoint/2010/main" val="4104887601"/>
+        <p14:creationId xmlns:p14="http://schemas.microsoft.com/office/powerpoint/2010/main" val="4104887601"/>
       </p:ext>
     </p:extLst>
   </p:cSld>
@@ -4540,7 +4507,7 @@
             <a:blip r:embed="rId2">
               <a:extLst>
                 <a:ext uri="{28A0092B-C50C-407E-A947-70E740481C1C}">
-                  <a14:useLocalDpi xmlns="" xmlns:a14="http://schemas.microsoft.com/office/drawing/2010/main" val="0"/>
+                  <a14:useLocalDpi xmlns:a14="http://schemas.microsoft.com/office/drawing/2010/main" val="0"/>
                 </a:ext>
               </a:extLst>
             </a:blip>
@@ -4670,17 +4637,7 @@
                   <a:latin typeface="Candara"/>
                   <a:cs typeface="Candara"/>
                 </a:rPr>
-                <a:t>: </a:t>
-              </a:r>
-              <a:r>
-                <a:rPr lang="en-US" sz="2400" dirty="0" smtClean="0">
-                  <a:solidFill>
-                    <a:srgbClr val="FFFFFF"/>
-                  </a:solidFill>
-                  <a:latin typeface="Candara"/>
-                  <a:cs typeface="Candara"/>
-                </a:rPr>
-                <a:t>Planning</a:t>
+                <a:t>: Planning</a:t>
               </a:r>
               <a:endParaRPr lang="en-US" sz="2400" dirty="0">
                 <a:solidFill>
@@ -4794,7 +4751,7 @@
     </p:spTree>
     <p:extLst>
       <p:ext uri="{BB962C8B-B14F-4D97-AF65-F5344CB8AC3E}">
-        <p14:creationId xmlns="" xmlns:p14="http://schemas.microsoft.com/office/powerpoint/2010/main" val="4104887601"/>
+        <p14:creationId xmlns:p14="http://schemas.microsoft.com/office/powerpoint/2010/main" val="4104887601"/>
       </p:ext>
     </p:extLst>
   </p:cSld>
@@ -4883,7 +4840,7 @@
             <a:blip r:embed="rId2">
               <a:extLst>
                 <a:ext uri="{28A0092B-C50C-407E-A947-70E740481C1C}">
-                  <a14:useLocalDpi xmlns="" xmlns:a14="http://schemas.microsoft.com/office/drawing/2010/main" val="0"/>
+                  <a14:useLocalDpi xmlns:a14="http://schemas.microsoft.com/office/drawing/2010/main" val="0"/>
                 </a:ext>
               </a:extLst>
             </a:blip>
@@ -5013,17 +4970,7 @@
                   <a:latin typeface="Candara"/>
                   <a:cs typeface="Candara"/>
                 </a:rPr>
-                <a:t>: </a:t>
-              </a:r>
-              <a:r>
-                <a:rPr lang="en-US" sz="2400" dirty="0" smtClean="0">
-                  <a:solidFill>
-                    <a:srgbClr val="FFFFFF"/>
-                  </a:solidFill>
-                  <a:latin typeface="Candara"/>
-                  <a:cs typeface="Candara"/>
-                </a:rPr>
-                <a:t>Planning</a:t>
+                <a:t>: Planning</a:t>
               </a:r>
               <a:endParaRPr lang="en-US" sz="2400" dirty="0">
                 <a:solidFill>
@@ -5117,11 +5064,7 @@
             </a:pPr>
             <a:r>
               <a:rPr lang="en-US" dirty="0" smtClean="0"/>
-              <a:t>3D path planning can be time </a:t>
-            </a:r>
-            <a:r>
-              <a:rPr lang="en-US" dirty="0" smtClean="0"/>
-              <a:t>consuming </a:t>
+              <a:t>3D path planning can be time consuming </a:t>
             </a:r>
             <a:r>
               <a:rPr lang="en-US" dirty="0" smtClean="0">
@@ -5131,11 +5074,6 @@
               </a:rPr>
               <a:t>&lt;- We will likely need to re-plan frequently</a:t>
             </a:r>
-            <a:endParaRPr lang="en-US" dirty="0" smtClean="0">
-              <a:solidFill>
-                <a:srgbClr val="FF0000"/>
-              </a:solidFill>
-            </a:endParaRPr>
           </a:p>
           <a:p>
             <a:pPr marL="285750" indent="-285750"/>
@@ -5174,7 +5112,7 @@
     </p:spTree>
     <p:extLst>
       <p:ext uri="{BB962C8B-B14F-4D97-AF65-F5344CB8AC3E}">
-        <p14:creationId xmlns="" xmlns:p14="http://schemas.microsoft.com/office/powerpoint/2010/main" val="4104887601"/>
+        <p14:creationId xmlns:p14="http://schemas.microsoft.com/office/powerpoint/2010/main" val="4104887601"/>
       </p:ext>
     </p:extLst>
   </p:cSld>
@@ -5263,7 +5201,7 @@
             <a:blip r:embed="rId2">
               <a:extLst>
                 <a:ext uri="{28A0092B-C50C-407E-A947-70E740481C1C}">
-                  <a14:useLocalDpi xmlns="" xmlns:a14="http://schemas.microsoft.com/office/drawing/2010/main" val="0"/>
+                  <a14:useLocalDpi xmlns:a14="http://schemas.microsoft.com/office/drawing/2010/main" val="0"/>
                 </a:ext>
               </a:extLst>
             </a:blip>
@@ -5393,17 +5331,7 @@
                   <a:latin typeface="Candara"/>
                   <a:cs typeface="Candara"/>
                 </a:rPr>
-                <a:t>: </a:t>
-              </a:r>
-              <a:r>
-                <a:rPr lang="en-US" sz="2400" dirty="0" smtClean="0">
-                  <a:solidFill>
-                    <a:srgbClr val="FFFFFF"/>
-                  </a:solidFill>
-                  <a:latin typeface="Candara"/>
-                  <a:cs typeface="Candara"/>
-                </a:rPr>
-                <a:t>Planning</a:t>
+                <a:t>: Planning</a:t>
               </a:r>
               <a:endParaRPr lang="en-US" sz="2400" dirty="0">
                 <a:solidFill>
@@ -5686,11 +5614,7 @@
             </a:br>
             <a:r>
               <a:rPr lang="en-US" dirty="0" err="1" smtClean="0"/>
-              <a:t>Ɵ</a:t>
-            </a:r>
-            <a:r>
-              <a:rPr lang="en-US" dirty="0" err="1" smtClean="0"/>
-              <a:t>ɸɣ</a:t>
+              <a:t>Ɵɸɣ</a:t>
             </a:r>
             <a:endParaRPr lang="en-US" dirty="0"/>
           </a:p>
@@ -6789,7 +6713,7 @@
     </p:spTree>
     <p:extLst>
       <p:ext uri="{BB962C8B-B14F-4D97-AF65-F5344CB8AC3E}">
-        <p14:creationId xmlns="" xmlns:p14="http://schemas.microsoft.com/office/powerpoint/2010/main" val="4104887601"/>
+        <p14:creationId xmlns:p14="http://schemas.microsoft.com/office/powerpoint/2010/main" val="4104887601"/>
       </p:ext>
     </p:extLst>
   </p:cSld>
@@ -6878,7 +6802,7 @@
             <a:blip r:embed="rId2">
               <a:extLst>
                 <a:ext uri="{28A0092B-C50C-407E-A947-70E740481C1C}">
-                  <a14:useLocalDpi xmlns="" xmlns:a14="http://schemas.microsoft.com/office/drawing/2010/main" val="0"/>
+                  <a14:useLocalDpi xmlns:a14="http://schemas.microsoft.com/office/drawing/2010/main" val="0"/>
                 </a:ext>
               </a:extLst>
             </a:blip>
@@ -7008,17 +6932,7 @@
                   <a:latin typeface="Candara"/>
                   <a:cs typeface="Candara"/>
                 </a:rPr>
-                <a:t>: </a:t>
-              </a:r>
-              <a:r>
-                <a:rPr lang="en-US" sz="2400" dirty="0" smtClean="0">
-                  <a:solidFill>
-                    <a:srgbClr val="FFFFFF"/>
-                  </a:solidFill>
-                  <a:latin typeface="Candara"/>
-                  <a:cs typeface="Candara"/>
-                </a:rPr>
-                <a:t>Planning</a:t>
+                <a:t>: Planning</a:t>
               </a:r>
               <a:endParaRPr lang="en-US" sz="2400" dirty="0">
                 <a:solidFill>
@@ -7221,7 +7135,7 @@
     </p:spTree>
     <p:extLst>
       <p:ext uri="{BB962C8B-B14F-4D97-AF65-F5344CB8AC3E}">
-        <p14:creationId xmlns="" xmlns:p14="http://schemas.microsoft.com/office/powerpoint/2010/main" val="4104887601"/>
+        <p14:creationId xmlns:p14="http://schemas.microsoft.com/office/powerpoint/2010/main" val="4104887601"/>
       </p:ext>
     </p:extLst>
   </p:cSld>
@@ -7310,7 +7224,7 @@
             <a:blip r:embed="rId2">
               <a:extLst>
                 <a:ext uri="{28A0092B-C50C-407E-A947-70E740481C1C}">
-                  <a14:useLocalDpi xmlns="" xmlns:a14="http://schemas.microsoft.com/office/drawing/2010/main" val="0"/>
+                  <a14:useLocalDpi xmlns:a14="http://schemas.microsoft.com/office/drawing/2010/main" val="0"/>
                 </a:ext>
               </a:extLst>
             </a:blip>
@@ -7440,17 +7354,7 @@
                   <a:latin typeface="Candara"/>
                   <a:cs typeface="Candara"/>
                 </a:rPr>
-                <a:t>: </a:t>
-              </a:r>
-              <a:r>
-                <a:rPr lang="en-US" sz="2400" dirty="0" smtClean="0">
-                  <a:solidFill>
-                    <a:srgbClr val="FFFFFF"/>
-                  </a:solidFill>
-                  <a:latin typeface="Candara"/>
-                  <a:cs typeface="Candara"/>
-                </a:rPr>
-                <a:t>Planning</a:t>
+                <a:t>: Planning</a:t>
               </a:r>
               <a:endParaRPr lang="en-US" sz="2400" dirty="0">
                 <a:solidFill>
@@ -7475,7 +7379,7 @@
           <a:blip r:embed="rId4">
             <a:extLst>
               <a:ext uri="{28A0092B-C50C-407E-A947-70E740481C1C}">
-                <a14:useLocalDpi xmlns:a14="http://schemas.microsoft.com/office/drawing/2010/main" xmlns="" val="0"/>
+                <a14:useLocalDpi xmlns:a14="http://schemas.microsoft.com/office/drawing/2010/main" val="0"/>
               </a:ext>
             </a:extLst>
           </a:blip>
@@ -7553,7 +7457,6 @@
               <a:rPr lang="en-US" dirty="0" smtClean="0"/>
               <a:t>Efficiently search space</a:t>
             </a:r>
-            <a:endParaRPr lang="en-US" dirty="0" smtClean="0"/>
           </a:p>
           <a:p>
             <a:pPr marL="285750" indent="-285750"/>
@@ -10302,7 +10205,7 @@
     </p:spTree>
     <p:extLst>
       <p:ext uri="{BB962C8B-B14F-4D97-AF65-F5344CB8AC3E}">
-        <p14:creationId xmlns="" xmlns:p14="http://schemas.microsoft.com/office/powerpoint/2010/main" val="4104887601"/>
+        <p14:creationId xmlns:p14="http://schemas.microsoft.com/office/powerpoint/2010/main" val="4104887601"/>
       </p:ext>
     </p:extLst>
   </p:cSld>
@@ -10391,7 +10294,7 @@
             <a:blip r:embed="rId2">
               <a:extLst>
                 <a:ext uri="{28A0092B-C50C-407E-A947-70E740481C1C}">
-                  <a14:useLocalDpi xmlns="" xmlns:a14="http://schemas.microsoft.com/office/drawing/2010/main" val="0"/>
+                  <a14:useLocalDpi xmlns:a14="http://schemas.microsoft.com/office/drawing/2010/main" val="0"/>
                 </a:ext>
               </a:extLst>
             </a:blip>
@@ -10521,17 +10424,7 @@
                   <a:latin typeface="Candara"/>
                   <a:cs typeface="Candara"/>
                 </a:rPr>
-                <a:t>: </a:t>
-              </a:r>
-              <a:r>
-                <a:rPr lang="en-US" sz="2400" dirty="0" smtClean="0">
-                  <a:solidFill>
-                    <a:srgbClr val="FFFFFF"/>
-                  </a:solidFill>
-                  <a:latin typeface="Candara"/>
-                  <a:cs typeface="Candara"/>
-                </a:rPr>
-                <a:t>Planning</a:t>
+                <a:t>: Planning</a:t>
               </a:r>
               <a:endParaRPr lang="en-US" sz="2400" dirty="0">
                 <a:solidFill>
@@ -10668,7 +10561,7 @@
               <a:blip r:embed="rId4">
                 <a:extLst>
                   <a:ext uri="{28A0092B-C50C-407E-A947-70E740481C1C}">
-                    <a14:useLocalDpi xmlns:a14="http://schemas.microsoft.com/office/drawing/2010/main" xmlns="" val="0"/>
+                    <a14:useLocalDpi xmlns:a14="http://schemas.microsoft.com/office/drawing/2010/main" val="0"/>
                   </a:ext>
                 </a:extLst>
               </a:blip>
@@ -13758,7 +13651,7 @@
     </p:spTree>
     <p:extLst>
       <p:ext uri="{BB962C8B-B14F-4D97-AF65-F5344CB8AC3E}">
-        <p14:creationId xmlns="" xmlns:p14="http://schemas.microsoft.com/office/powerpoint/2010/main" val="4104887601"/>
+        <p14:creationId xmlns:p14="http://schemas.microsoft.com/office/powerpoint/2010/main" val="4104887601"/>
       </p:ext>
     </p:extLst>
   </p:cSld>
@@ -13847,7 +13740,7 @@
             <a:blip r:embed="rId2">
               <a:extLst>
                 <a:ext uri="{28A0092B-C50C-407E-A947-70E740481C1C}">
-                  <a14:useLocalDpi xmlns="" xmlns:a14="http://schemas.microsoft.com/office/drawing/2010/main" val="0"/>
+                  <a14:useLocalDpi xmlns:a14="http://schemas.microsoft.com/office/drawing/2010/main" val="0"/>
                 </a:ext>
               </a:extLst>
             </a:blip>
@@ -13977,17 +13870,7 @@
                   <a:latin typeface="Candara"/>
                   <a:cs typeface="Candara"/>
                 </a:rPr>
-                <a:t>: </a:t>
-              </a:r>
-              <a:r>
-                <a:rPr lang="en-US" sz="2400" dirty="0" smtClean="0">
-                  <a:solidFill>
-                    <a:srgbClr val="FFFFFF"/>
-                  </a:solidFill>
-                  <a:latin typeface="Candara"/>
-                  <a:cs typeface="Candara"/>
-                </a:rPr>
-                <a:t>Planning</a:t>
+                <a:t>: Planning</a:t>
               </a:r>
               <a:endParaRPr lang="en-US" sz="2400" dirty="0">
                 <a:solidFill>
@@ -14124,7 +14007,7 @@
               <a:blip r:embed="rId4">
                 <a:extLst>
                   <a:ext uri="{28A0092B-C50C-407E-A947-70E740481C1C}">
-                    <a14:useLocalDpi xmlns:a14="http://schemas.microsoft.com/office/drawing/2010/main" xmlns="" val="0"/>
+                    <a14:useLocalDpi xmlns:a14="http://schemas.microsoft.com/office/drawing/2010/main" val="0"/>
                   </a:ext>
                 </a:extLst>
               </a:blip>
@@ -15259,7 +15142,7 @@
     </p:spTree>
     <p:extLst>
       <p:ext uri="{BB962C8B-B14F-4D97-AF65-F5344CB8AC3E}">
-        <p14:creationId xmlns="" xmlns:p14="http://schemas.microsoft.com/office/powerpoint/2010/main" val="4104887601"/>
+        <p14:creationId xmlns:p14="http://schemas.microsoft.com/office/powerpoint/2010/main" val="4104887601"/>
       </p:ext>
     </p:extLst>
   </p:cSld>
@@ -15348,7 +15231,7 @@
             <a:blip r:embed="rId2">
               <a:extLst>
                 <a:ext uri="{28A0092B-C50C-407E-A947-70E740481C1C}">
-                  <a14:useLocalDpi xmlns="" xmlns:a14="http://schemas.microsoft.com/office/drawing/2010/main" val="0"/>
+                  <a14:useLocalDpi xmlns:a14="http://schemas.microsoft.com/office/drawing/2010/main" val="0"/>
                 </a:ext>
               </a:extLst>
             </a:blip>
@@ -15478,17 +15361,7 @@
                   <a:latin typeface="Candara"/>
                   <a:cs typeface="Candara"/>
                 </a:rPr>
-                <a:t>: </a:t>
-              </a:r>
-              <a:r>
-                <a:rPr lang="en-US" sz="2400" dirty="0" smtClean="0">
-                  <a:solidFill>
-                    <a:srgbClr val="FFFFFF"/>
-                  </a:solidFill>
-                  <a:latin typeface="Candara"/>
-                  <a:cs typeface="Candara"/>
-                </a:rPr>
-                <a:t>Planning</a:t>
+                <a:t>: Planning</a:t>
               </a:r>
               <a:endParaRPr lang="en-US" sz="2400" dirty="0">
                 <a:solidFill>
@@ -15568,7 +15441,6 @@
               <a:rPr lang="en-US" dirty="0" smtClean="0"/>
               <a:t>Easy/fast to compute</a:t>
             </a:r>
-            <a:endParaRPr lang="en-US" dirty="0" smtClean="0"/>
           </a:p>
           <a:p>
             <a:pPr marL="742950" lvl="1" indent="-285750">
@@ -15733,7 +15605,7 @@
     </p:spTree>
     <p:extLst>
       <p:ext uri="{BB962C8B-B14F-4D97-AF65-F5344CB8AC3E}">
-        <p14:creationId xmlns="" xmlns:p14="http://schemas.microsoft.com/office/powerpoint/2010/main" val="4104887601"/>
+        <p14:creationId xmlns:p14="http://schemas.microsoft.com/office/powerpoint/2010/main" val="4104887601"/>
       </p:ext>
     </p:extLst>
   </p:cSld>
@@ -15822,7 +15694,7 @@
             <a:blip r:embed="rId2">
               <a:extLst>
                 <a:ext uri="{28A0092B-C50C-407E-A947-70E740481C1C}">
-                  <a14:useLocalDpi xmlns="" xmlns:a14="http://schemas.microsoft.com/office/drawing/2010/main" val="0"/>
+                  <a14:useLocalDpi xmlns:a14="http://schemas.microsoft.com/office/drawing/2010/main" val="0"/>
                 </a:ext>
               </a:extLst>
             </a:blip>
@@ -15952,17 +15824,7 @@
                   <a:latin typeface="Candara"/>
                   <a:cs typeface="Candara"/>
                 </a:rPr>
-                <a:t>: </a:t>
-              </a:r>
-              <a:r>
-                <a:rPr lang="en-US" sz="2400" dirty="0" smtClean="0">
-                  <a:solidFill>
-                    <a:srgbClr val="FFFFFF"/>
-                  </a:solidFill>
-                  <a:latin typeface="Candara"/>
-                  <a:cs typeface="Candara"/>
-                </a:rPr>
-                <a:t>Planning</a:t>
+                <a:t>: Planning</a:t>
               </a:r>
               <a:endParaRPr lang="en-US" sz="2400" dirty="0">
                 <a:solidFill>
@@ -16042,7 +15904,6 @@
               <a:rPr lang="en-US" dirty="0" smtClean="0"/>
               <a:t>Easy/fast to compute</a:t>
             </a:r>
-            <a:endParaRPr lang="en-US" dirty="0" smtClean="0"/>
           </a:p>
           <a:p>
             <a:pPr marL="742950" lvl="1" indent="-285750">
@@ -16207,7 +16068,7 @@
     </p:spTree>
     <p:extLst>
       <p:ext uri="{BB962C8B-B14F-4D97-AF65-F5344CB8AC3E}">
-        <p14:creationId xmlns="" xmlns:p14="http://schemas.microsoft.com/office/powerpoint/2010/main" val="4104887601"/>
+        <p14:creationId xmlns:p14="http://schemas.microsoft.com/office/powerpoint/2010/main" val="4104887601"/>
       </p:ext>
     </p:extLst>
   </p:cSld>
@@ -16296,7 +16157,7 @@
             <a:blip r:embed="rId2">
               <a:extLst>
                 <a:ext uri="{28A0092B-C50C-407E-A947-70E740481C1C}">
-                  <a14:useLocalDpi xmlns="" xmlns:a14="http://schemas.microsoft.com/office/drawing/2010/main" val="0"/>
+                  <a14:useLocalDpi xmlns:a14="http://schemas.microsoft.com/office/drawing/2010/main" val="0"/>
                 </a:ext>
               </a:extLst>
             </a:blip>
@@ -16426,17 +16287,7 @@
                   <a:latin typeface="Candara"/>
                   <a:cs typeface="Candara"/>
                 </a:rPr>
-                <a:t>: </a:t>
-              </a:r>
-              <a:r>
-                <a:rPr lang="en-US" sz="2400" dirty="0" smtClean="0">
-                  <a:solidFill>
-                    <a:srgbClr val="FFFFFF"/>
-                  </a:solidFill>
-                  <a:latin typeface="Candara"/>
-                  <a:cs typeface="Candara"/>
-                </a:rPr>
-                <a:t>Planning</a:t>
+                <a:t>: Planning</a:t>
               </a:r>
               <a:endParaRPr lang="en-US" sz="2400" dirty="0">
                 <a:solidFill>
@@ -16473,11 +16324,7 @@
           <a:p>
             <a:r>
               <a:rPr lang="en-US" sz="1200" dirty="0" smtClean="0"/>
-              <a:t>From: </a:t>
-            </a:r>
-            <a:r>
-              <a:rPr lang="en-US" sz="1200" dirty="0" smtClean="0"/>
-              <a:t>http://ompl.kavrakilab.org/OMPL_Primer.pdf </a:t>
+              <a:t>From: http://ompl.kavrakilab.org/OMPL_Primer.pdf </a:t>
             </a:r>
             <a:endParaRPr lang="en-US" sz="1200" dirty="0"/>
           </a:p>
@@ -16508,7 +16355,11 @@
             <a:pPr marL="285750" indent="-285750"/>
             <a:r>
               <a:rPr lang="en-US" b="1" dirty="0" smtClean="0"/>
-              <a:t>Plath Planning Alternatives</a:t>
+              <a:t>Path </a:t>
+            </a:r>
+            <a:r>
+              <a:rPr lang="en-US" b="1" dirty="0" smtClean="0"/>
+              <a:t>Planning Alternatives</a:t>
             </a:r>
           </a:p>
           <a:p>
@@ -16615,7 +16466,7 @@
     </p:spTree>
     <p:extLst>
       <p:ext uri="{BB962C8B-B14F-4D97-AF65-F5344CB8AC3E}">
-        <p14:creationId xmlns="" xmlns:p14="http://schemas.microsoft.com/office/powerpoint/2010/main" val="4104887601"/>
+        <p14:creationId xmlns:p14="http://schemas.microsoft.com/office/powerpoint/2010/main" val="4104887601"/>
       </p:ext>
     </p:extLst>
   </p:cSld>
@@ -16704,7 +16555,7 @@
             <a:blip r:embed="rId2">
               <a:extLst>
                 <a:ext uri="{28A0092B-C50C-407E-A947-70E740481C1C}">
-                  <a14:useLocalDpi xmlns="" xmlns:a14="http://schemas.microsoft.com/office/drawing/2010/main" val="0"/>
+                  <a14:useLocalDpi xmlns:a14="http://schemas.microsoft.com/office/drawing/2010/main" val="0"/>
                 </a:ext>
               </a:extLst>
             </a:blip>
@@ -16834,17 +16685,7 @@
                   <a:latin typeface="Candara"/>
                   <a:cs typeface="Candara"/>
                 </a:rPr>
-                <a:t>: </a:t>
-              </a:r>
-              <a:r>
-                <a:rPr lang="en-US" sz="2400" dirty="0" smtClean="0">
-                  <a:solidFill>
-                    <a:srgbClr val="FFFFFF"/>
-                  </a:solidFill>
-                  <a:latin typeface="Candara"/>
-                  <a:cs typeface="Candara"/>
-                </a:rPr>
-                <a:t>Planning</a:t>
+                <a:t>: Planning</a:t>
               </a:r>
               <a:endParaRPr lang="en-US" sz="2400" dirty="0">
                 <a:solidFill>
@@ -16881,11 +16722,7 @@
           <a:p>
             <a:r>
               <a:rPr lang="en-US" sz="1200" dirty="0" smtClean="0"/>
-              <a:t>From: </a:t>
-            </a:r>
-            <a:r>
-              <a:rPr lang="en-US" sz="1200" dirty="0" smtClean="0"/>
-              <a:t>http://ompl.kavrakilab.org/OMPL_Primer.pdf </a:t>
+              <a:t>From: http://ompl.kavrakilab.org/OMPL_Primer.pdf </a:t>
             </a:r>
             <a:endParaRPr lang="en-US" sz="1200" dirty="0"/>
           </a:p>
@@ -17033,7 +16870,7 @@
     </p:spTree>
     <p:extLst>
       <p:ext uri="{BB962C8B-B14F-4D97-AF65-F5344CB8AC3E}">
-        <p14:creationId xmlns="" xmlns:p14="http://schemas.microsoft.com/office/powerpoint/2010/main" val="4104887601"/>
+        <p14:creationId xmlns:p14="http://schemas.microsoft.com/office/powerpoint/2010/main" val="4104887601"/>
       </p:ext>
     </p:extLst>
   </p:cSld>
@@ -17122,7 +16959,7 @@
             <a:blip r:embed="rId2">
               <a:extLst>
                 <a:ext uri="{28A0092B-C50C-407E-A947-70E740481C1C}">
-                  <a14:useLocalDpi xmlns="" xmlns:a14="http://schemas.microsoft.com/office/drawing/2010/main" val="0"/>
+                  <a14:useLocalDpi xmlns:a14="http://schemas.microsoft.com/office/drawing/2010/main" val="0"/>
                 </a:ext>
               </a:extLst>
             </a:blip>
@@ -17252,17 +17089,7 @@
                   <a:latin typeface="Candara"/>
                   <a:cs typeface="Candara"/>
                 </a:rPr>
-                <a:t>: </a:t>
-              </a:r>
-              <a:r>
-                <a:rPr lang="en-US" sz="2400" dirty="0" smtClean="0">
-                  <a:solidFill>
-                    <a:srgbClr val="FFFFFF"/>
-                  </a:solidFill>
-                  <a:latin typeface="Candara"/>
-                  <a:cs typeface="Candara"/>
-                </a:rPr>
-                <a:t>Planning</a:t>
+                <a:t>: Planning</a:t>
               </a:r>
               <a:endParaRPr lang="en-US" sz="2400" dirty="0">
                 <a:solidFill>
@@ -17299,11 +17126,7 @@
           <a:p>
             <a:r>
               <a:rPr lang="en-US" sz="1200" dirty="0" smtClean="0"/>
-              <a:t>From: </a:t>
-            </a:r>
-            <a:r>
-              <a:rPr lang="en-US" sz="1200" dirty="0" smtClean="0"/>
-              <a:t>http://ompl.kavrakilab.org/OMPL_Primer.pdf </a:t>
+              <a:t>From: http://ompl.kavrakilab.org/OMPL_Primer.pdf </a:t>
             </a:r>
             <a:endParaRPr lang="en-US" sz="1200" dirty="0"/>
           </a:p>
@@ -17451,7 +17274,7 @@
     </p:spTree>
     <p:extLst>
       <p:ext uri="{BB962C8B-B14F-4D97-AF65-F5344CB8AC3E}">
-        <p14:creationId xmlns="" xmlns:p14="http://schemas.microsoft.com/office/powerpoint/2010/main" val="4104887601"/>
+        <p14:creationId xmlns:p14="http://schemas.microsoft.com/office/powerpoint/2010/main" val="4104887601"/>
       </p:ext>
     </p:extLst>
   </p:cSld>
